--- a/big-data/lecture02.pptx
+++ b/big-data/lecture02.pptx
@@ -38,7 +38,6 @@
     <p:sldId id="276" r:id="rId32"/>
     <p:sldId id="277" r:id="rId33"/>
     <p:sldId id="278" r:id="rId34"/>
-    <p:sldId id="256" r:id="rId35"/>
   </p:sldIdLst>
   <p:sldSz cx="9144000" cy="6858000" type="screen4x3"/>
   <p:notesSz cx="6858000" cy="9144000"/>
@@ -321,7 +320,7 @@
           <a:p>
             <a:fld id="{9B948004-1317-4732-9894-3EA6D067D2DC}" type="datetimeFigureOut">
               <a:rPr lang="en-US" smtClean="0"/>
-              <a:t>8/31/2015</a:t>
+              <a:t>9/2/2015</a:t>
             </a:fld>
             <a:endParaRPr lang="en-US"/>
           </a:p>
@@ -491,7 +490,7 @@
           <a:p>
             <a:fld id="{9B948004-1317-4732-9894-3EA6D067D2DC}" type="datetimeFigureOut">
               <a:rPr lang="en-US" smtClean="0"/>
-              <a:t>8/31/2015</a:t>
+              <a:t>9/2/2015</a:t>
             </a:fld>
             <a:endParaRPr lang="en-US"/>
           </a:p>
@@ -671,7 +670,7 @@
           <a:p>
             <a:fld id="{9B948004-1317-4732-9894-3EA6D067D2DC}" type="datetimeFigureOut">
               <a:rPr lang="en-US" smtClean="0"/>
-              <a:t>8/31/2015</a:t>
+              <a:t>9/2/2015</a:t>
             </a:fld>
             <a:endParaRPr lang="en-US"/>
           </a:p>
@@ -841,7 +840,7 @@
           <a:p>
             <a:fld id="{9B948004-1317-4732-9894-3EA6D067D2DC}" type="datetimeFigureOut">
               <a:rPr lang="en-US" smtClean="0"/>
-              <a:t>8/31/2015</a:t>
+              <a:t>9/2/2015</a:t>
             </a:fld>
             <a:endParaRPr lang="en-US"/>
           </a:p>
@@ -1087,7 +1086,7 @@
           <a:p>
             <a:fld id="{9B948004-1317-4732-9894-3EA6D067D2DC}" type="datetimeFigureOut">
               <a:rPr lang="en-US" smtClean="0"/>
-              <a:t>8/31/2015</a:t>
+              <a:t>9/2/2015</a:t>
             </a:fld>
             <a:endParaRPr lang="en-US"/>
           </a:p>
@@ -1375,7 +1374,7 @@
           <a:p>
             <a:fld id="{9B948004-1317-4732-9894-3EA6D067D2DC}" type="datetimeFigureOut">
               <a:rPr lang="en-US" smtClean="0"/>
-              <a:t>8/31/2015</a:t>
+              <a:t>9/2/2015</a:t>
             </a:fld>
             <a:endParaRPr lang="en-US"/>
           </a:p>
@@ -1797,7 +1796,7 @@
           <a:p>
             <a:fld id="{9B948004-1317-4732-9894-3EA6D067D2DC}" type="datetimeFigureOut">
               <a:rPr lang="en-US" smtClean="0"/>
-              <a:t>8/31/2015</a:t>
+              <a:t>9/2/2015</a:t>
             </a:fld>
             <a:endParaRPr lang="en-US"/>
           </a:p>
@@ -1915,7 +1914,7 @@
           <a:p>
             <a:fld id="{9B948004-1317-4732-9894-3EA6D067D2DC}" type="datetimeFigureOut">
               <a:rPr lang="en-US" smtClean="0"/>
-              <a:t>8/31/2015</a:t>
+              <a:t>9/2/2015</a:t>
             </a:fld>
             <a:endParaRPr lang="en-US"/>
           </a:p>
@@ -2010,7 +2009,7 @@
           <a:p>
             <a:fld id="{9B948004-1317-4732-9894-3EA6D067D2DC}" type="datetimeFigureOut">
               <a:rPr lang="en-US" smtClean="0"/>
-              <a:t>8/31/2015</a:t>
+              <a:t>9/2/2015</a:t>
             </a:fld>
             <a:endParaRPr lang="en-US"/>
           </a:p>
@@ -2287,7 +2286,7 @@
           <a:p>
             <a:fld id="{9B948004-1317-4732-9894-3EA6D067D2DC}" type="datetimeFigureOut">
               <a:rPr lang="en-US" smtClean="0"/>
-              <a:t>8/31/2015</a:t>
+              <a:t>9/2/2015</a:t>
             </a:fld>
             <a:endParaRPr lang="en-US"/>
           </a:p>
@@ -2540,7 +2539,7 @@
           <a:p>
             <a:fld id="{9B948004-1317-4732-9894-3EA6D067D2DC}" type="datetimeFigureOut">
               <a:rPr lang="en-US" smtClean="0"/>
-              <a:t>8/31/2015</a:t>
+              <a:t>9/2/2015</a:t>
             </a:fld>
             <a:endParaRPr lang="en-US"/>
           </a:p>
@@ -2753,7 +2752,7 @@
           <a:p>
             <a:fld id="{9B948004-1317-4732-9894-3EA6D067D2DC}" type="datetimeFigureOut">
               <a:rPr lang="en-US" smtClean="0"/>
-              <a:t>8/31/2015</a:t>
+              <a:t>9/2/2015</a:t>
             </a:fld>
             <a:endParaRPr lang="en-US"/>
           </a:p>
@@ -3304,11 +3303,7 @@
             <a:pPr algn="ctr"/>
             <a:r>
               <a:rPr lang="en-US" sz="7200" b="1" dirty="0" smtClean="0"/>
-              <a:t>Lecture </a:t>
-            </a:r>
-            <a:r>
-              <a:rPr lang="en-US" sz="7200" b="1" dirty="0" smtClean="0"/>
-              <a:t>2: Streaming</a:t>
+              <a:t>Lecture 2: Streaming</a:t>
             </a:r>
             <a:endParaRPr lang="en-US" sz="7200" b="1" dirty="0"/>
           </a:p>
@@ -5888,8 +5883,8 @@
           </a:p>
         </p:txBody>
       </p:sp>
-      <mc:AlternateContent xmlns:mc="http://schemas.openxmlformats.org/markup-compatibility/2006">
-        <mc:Choice xmlns:a14="http://schemas.microsoft.com/office/drawing/2010/main" Requires="a14">
+      <mc:AlternateContent xmlns:mc="http://schemas.openxmlformats.org/markup-compatibility/2006" xmlns:a14="http://schemas.microsoft.com/office/drawing/2010/main">
+        <mc:Choice Requires="a14">
           <p:sp>
             <p:nvSpPr>
               <p:cNvPr id="3" name="Content Placeholder 2"/>
@@ -6035,13 +6030,7 @@
                           <a:rPr lang="en-US" b="0" i="1" smtClean="0">
                             <a:latin typeface="Cambria Math"/>
                           </a:rPr>
-                          <m:t>𝑚</m:t>
-                        </m:r>
-                        <m:r>
-                          <a:rPr lang="en-US" b="0" i="1" smtClean="0">
-                            <a:latin typeface="Cambria Math"/>
-                          </a:rPr>
-                          <m:t>𝑒𝑑</m:t>
+                          <m:t>𝑚𝑒𝑑</m:t>
                         </m:r>
                       </m:sup>
                     </m:sSup>
@@ -6173,7 +6162,6 @@
                   <a:rPr lang="en-US" dirty="0" smtClean="0"/>
                   <a:t> computed as before:</a:t>
                 </a:r>
-                <a:endParaRPr lang="en-US" dirty="0" smtClean="0"/>
               </a:p>
               <a:p>
                 <a:pPr marL="0" indent="0">
@@ -6633,7 +6621,7 @@
             </p:txBody>
           </p:sp>
         </mc:Choice>
-        <mc:Fallback>
+        <mc:Fallback xmlns="">
           <p:sp>
             <p:nvSpPr>
               <p:cNvPr id="3" name="Content Placeholder 2"/>
@@ -7063,8 +7051,8 @@
           </a:p>
         </p:txBody>
       </p:sp>
-      <mc:AlternateContent xmlns:mc="http://schemas.openxmlformats.org/markup-compatibility/2006">
-        <mc:Choice xmlns:a14="http://schemas.microsoft.com/office/drawing/2010/main" Requires="a14">
+      <mc:AlternateContent xmlns:mc="http://schemas.openxmlformats.org/markup-compatibility/2006" xmlns:a14="http://schemas.microsoft.com/office/drawing/2010/main">
+        <mc:Choice Requires="a14">
           <p:sp>
             <p:nvSpPr>
               <p:cNvPr id="3" name="Content Placeholder 2"/>
@@ -7154,13 +7142,7 @@
                                       <a:rPr lang="en-US" b="0" i="1" smtClean="0">
                                         <a:latin typeface="Cambria Math"/>
                                       </a:rPr>
-                                      <m:t>𝑚</m:t>
-                                    </m:r>
-                                    <m:r>
-                                      <a:rPr lang="en-US" b="0" i="1" smtClean="0">
-                                        <a:latin typeface="Cambria Math"/>
-                                      </a:rPr>
-                                      <m:t>𝑒𝑑</m:t>
+                                      <m:t>𝑚𝑒𝑑</m:t>
                                     </m:r>
                                   </m:sup>
                                 </m:sSup>
@@ -7528,13 +7510,7 @@
                                       <a:rPr lang="en-US" b="0" i="1" smtClean="0">
                                         <a:latin typeface="Cambria Math"/>
                                       </a:rPr>
-                                      <m:t>𝑚</m:t>
-                                    </m:r>
-                                    <m:r>
-                                      <a:rPr lang="en-US" b="0" i="1" smtClean="0">
-                                        <a:latin typeface="Cambria Math"/>
-                                      </a:rPr>
-                                      <m:t>𝑒𝑑</m:t>
+                                      <m:t>𝑚𝑒𝑑</m:t>
                                     </m:r>
                                   </m:sup>
                                 </m:sSup>
@@ -8196,7 +8172,7 @@
             </p:txBody>
           </p:sp>
         </mc:Choice>
-        <mc:Fallback>
+        <mc:Fallback xmlns="">
           <p:sp>
             <p:nvSpPr>
               <p:cNvPr id="3" name="Content Placeholder 2"/>
@@ -8520,8 +8496,8 @@
           </a:p>
         </p:txBody>
       </p:sp>
-      <mc:AlternateContent xmlns:mc="http://schemas.openxmlformats.org/markup-compatibility/2006">
-        <mc:Choice xmlns:a14="http://schemas.microsoft.com/office/drawing/2010/main" Requires="a14">
+      <mc:AlternateContent xmlns:mc="http://schemas.openxmlformats.org/markup-compatibility/2006" xmlns:a14="http://schemas.microsoft.com/office/drawing/2010/main">
+        <mc:Choice Requires="a14">
           <p:sp>
             <p:nvSpPr>
               <p:cNvPr id="3" name="Content Placeholder 2"/>
@@ -8746,7 +8722,6 @@
                   <a:rPr lang="en-US" dirty="0" smtClean="0"/>
                   <a:t>Example:</a:t>
                 </a:r>
-                <a:endParaRPr lang="en-US" dirty="0" smtClean="0"/>
               </a:p>
               <a:p>
                 <a:pPr marL="0" indent="0">
@@ -8759,7 +8734,7 @@
             </p:txBody>
           </p:sp>
         </mc:Choice>
-        <mc:Fallback>
+        <mc:Fallback xmlns="">
           <p:sp>
             <p:nvSpPr>
               <p:cNvPr id="3" name="Content Placeholder 2"/>
@@ -10726,8 +10701,8 @@
           </a:p>
         </p:txBody>
       </p:sp>
-      <mc:AlternateContent xmlns:mc="http://schemas.openxmlformats.org/markup-compatibility/2006">
-        <mc:Choice xmlns:a14="http://schemas.microsoft.com/office/drawing/2010/main" Requires="a14">
+      <mc:AlternateContent xmlns:mc="http://schemas.openxmlformats.org/markup-compatibility/2006" xmlns:a14="http://schemas.microsoft.com/office/drawing/2010/main">
+        <mc:Choice Requires="a14">
           <p:sp>
             <p:nvSpPr>
               <p:cNvPr id="3" name="Content Placeholder 2"/>
@@ -11991,14 +11966,7 @@
                               <a:latin typeface="Cambria Math"/>
                               <a:ea typeface="Cambria Math"/>
                             </a:rPr>
-                            <m:t>−</m:t>
-                          </m:r>
-                          <m:r>
-                            <a:rPr lang="en-US" b="0" i="1" smtClean="0">
-                              <a:latin typeface="Cambria Math"/>
-                              <a:ea typeface="Cambria Math"/>
-                            </a:rPr>
-                            <m:t> </m:t>
+                            <m:t>− </m:t>
                           </m:r>
                           <m:f>
                             <m:fPr>
@@ -12234,7 +12202,7 @@
             </p:txBody>
           </p:sp>
         </mc:Choice>
-        <mc:Fallback>
+        <mc:Fallback xmlns="">
           <p:sp>
             <p:nvSpPr>
               <p:cNvPr id="3" name="Content Placeholder 2"/>
@@ -15085,8 +15053,8 @@
           </a:p>
         </p:txBody>
       </p:sp>
-      <mc:AlternateContent xmlns:mc="http://schemas.openxmlformats.org/markup-compatibility/2006">
-        <mc:Choice xmlns:a14="http://schemas.microsoft.com/office/drawing/2010/main" Requires="a14">
+      <mc:AlternateContent xmlns:mc="http://schemas.openxmlformats.org/markup-compatibility/2006" xmlns:a14="http://schemas.microsoft.com/office/drawing/2010/main">
+        <mc:Choice Requires="a14">
           <p:sp>
             <p:nvSpPr>
               <p:cNvPr id="3" name="Content Placeholder 2"/>
@@ -15155,7 +15123,6 @@
                   <a:rPr lang="en-US" dirty="0" smtClean="0"/>
                   <a:t>):</a:t>
                 </a:r>
-                <a:endParaRPr lang="en-US" dirty="0" smtClean="0"/>
               </a:p>
               <a:p>
                 <a:pPr marL="0" indent="0" algn="ctr">
@@ -16054,7 +16021,7 @@
             </p:txBody>
           </p:sp>
         </mc:Choice>
-        <mc:Fallback>
+        <mc:Fallback xmlns="">
           <p:sp>
             <p:nvSpPr>
               <p:cNvPr id="3" name="Content Placeholder 2"/>
@@ -21267,8 +21234,8 @@
           </a:p>
         </p:txBody>
       </p:sp>
-      <mc:AlternateContent xmlns:mc="http://schemas.openxmlformats.org/markup-compatibility/2006">
-        <mc:Choice xmlns:a14="http://schemas.microsoft.com/office/drawing/2010/main" Requires="a14">
+      <mc:AlternateContent xmlns:mc="http://schemas.openxmlformats.org/markup-compatibility/2006" xmlns:a14="http://schemas.microsoft.com/office/drawing/2010/main">
+        <mc:Choice Requires="a14">
           <p:sp>
             <p:nvSpPr>
               <p:cNvPr id="3" name="Content Placeholder 2"/>
@@ -21974,7 +21941,7 @@
             </p:txBody>
           </p:sp>
         </mc:Choice>
-        <mc:Fallback>
+        <mc:Fallback xmlns="">
           <p:sp>
             <p:nvSpPr>
               <p:cNvPr id="3" name="Content Placeholder 2"/>
@@ -23816,8 +23783,8 @@
           </a:p>
         </p:txBody>
       </p:sp>
-      <mc:AlternateContent xmlns:mc="http://schemas.openxmlformats.org/markup-compatibility/2006" xmlns:a14="http://schemas.microsoft.com/office/drawing/2010/main">
-        <mc:Choice Requires="a14">
+      <mc:AlternateContent xmlns:mc="http://schemas.openxmlformats.org/markup-compatibility/2006">
+        <mc:Choice xmlns:a14="http://schemas.microsoft.com/office/drawing/2010/main" Requires="a14">
           <p:sp>
             <p:nvSpPr>
               <p:cNvPr id="3" name="Content Placeholder 2"/>
@@ -24092,237 +24059,195 @@
                   <a:buNone/>
                 </a:pPr>
                 <a14:m>
-                  <m:oMathPara xmlns:m="http://schemas.openxmlformats.org/officeDocument/2006/math">
-                    <m:oMathParaPr>
-                      <m:jc m:val="centerGroup"/>
-                    </m:oMathParaPr>
-                    <m:oMath xmlns:m="http://schemas.openxmlformats.org/officeDocument/2006/math">
-                      <m:r>
-                        <a:rPr lang="en-US" b="0" i="1" smtClean="0">
-                          <a:latin typeface="Cambria Math"/>
-                        </a:rPr>
-                        <m:t>𝑍</m:t>
-                      </m:r>
-                      <m:sSup>
-                        <m:sSupPr>
-                          <m:ctrlPr>
-                            <a:rPr lang="en-US" b="0" i="1" smtClean="0">
-                              <a:latin typeface="Cambria Math"/>
-                            </a:rPr>
-                          </m:ctrlPr>
-                        </m:sSupPr>
-                        <m:e>
-                          <m:r>
-                            <a:rPr lang="en-US" b="0" i="1" smtClean="0">
-                              <a:latin typeface="Cambria Math"/>
-                            </a:rPr>
-                            <m:t>𝑓</m:t>
-                          </m:r>
-                        </m:e>
-                        <m:sup>
-                          <m:r>
-                            <a:rPr lang="en-US" b="0" i="1" smtClean="0">
-                              <a:latin typeface="Cambria Math"/>
-                            </a:rPr>
-                            <m:t>′</m:t>
-                          </m:r>
-                        </m:sup>
-                      </m:sSup>
-                      <m:r>
-                        <a:rPr lang="en-US" b="0" i="1" smtClean="0">
-                          <a:latin typeface="Cambria Math"/>
-                        </a:rPr>
-                        <m:t>=</m:t>
-                      </m:r>
-                      <m:r>
-                        <a:rPr lang="en-US" b="0" i="1" smtClean="0">
-                          <a:latin typeface="Cambria Math"/>
-                        </a:rPr>
-                        <m:t>𝑍</m:t>
-                      </m:r>
-                      <m:d>
-                        <m:dPr>
-                          <m:ctrlPr>
-                            <a:rPr lang="en-US" b="0" i="1" smtClean="0">
-                              <a:latin typeface="Cambria Math"/>
-                            </a:rPr>
-                          </m:ctrlPr>
-                        </m:dPr>
-                        <m:e>
-                          <m:r>
-                            <a:rPr lang="en-US" b="0" i="1" smtClean="0">
-                              <a:latin typeface="Cambria Math"/>
-                            </a:rPr>
-                            <m:t>𝑓</m:t>
-                          </m:r>
-                          <m:r>
-                            <a:rPr lang="en-US" b="0" i="1" smtClean="0">
-                              <a:latin typeface="Cambria Math"/>
-                            </a:rPr>
-                            <m:t>+</m:t>
-                          </m:r>
-                          <m:sSub>
-                            <m:sSubPr>
-                              <m:ctrlPr>
-                                <a:rPr lang="en-US" b="0" i="1" smtClean="0">
-                                  <a:latin typeface="Cambria Math"/>
-                                </a:rPr>
-                              </m:ctrlPr>
-                            </m:sSubPr>
-                            <m:e>
-                              <m:r>
-                                <a:rPr lang="en-US" b="0" i="1" smtClean="0">
-                                  <a:latin typeface="Cambria Math"/>
-                                </a:rPr>
-                                <m:t>𝑒</m:t>
-                              </m:r>
-                            </m:e>
-                            <m:sub>
-                              <m:r>
-                                <a:rPr lang="en-US" b="0" i="1" smtClean="0">
-                                  <a:latin typeface="Cambria Math"/>
-                                </a:rPr>
-                                <m:t>𝑖</m:t>
-                              </m:r>
-                            </m:sub>
-                          </m:sSub>
-                        </m:e>
-                      </m:d>
-                      <m:r>
-                        <a:rPr lang="en-US" b="0" i="1" smtClean="0">
-                          <a:latin typeface="Cambria Math"/>
-                        </a:rPr>
-                        <m:t>=</m:t>
-                      </m:r>
-                      <m:r>
-                        <a:rPr lang="en-US" b="0" i="1" smtClean="0">
-                          <a:latin typeface="Cambria Math"/>
-                        </a:rPr>
-                        <m:t>𝑍𝑓</m:t>
-                      </m:r>
-                      <m:r>
-                        <a:rPr lang="en-US" b="0" i="1" smtClean="0">
-                          <a:latin typeface="Cambria Math"/>
-                        </a:rPr>
-                        <m:t>+</m:t>
-                      </m:r>
-                      <m:r>
-                        <a:rPr lang="en-US" b="0" i="1" smtClean="0">
-                          <a:latin typeface="Cambria Math"/>
-                        </a:rPr>
-                        <m:t>𝑍</m:t>
-                      </m:r>
-                      <m:sSub>
-                        <m:sSubPr>
-                          <m:ctrlPr>
-                            <a:rPr lang="en-US" b="0" i="1" smtClean="0">
-                              <a:latin typeface="Cambria Math"/>
-                            </a:rPr>
-                          </m:ctrlPr>
-                        </m:sSubPr>
-                        <m:e>
-                          <m:r>
-                            <a:rPr lang="en-US" b="0" i="1" smtClean="0">
-                              <a:latin typeface="Cambria Math"/>
-                            </a:rPr>
-                            <m:t>𝑒</m:t>
-                          </m:r>
-                        </m:e>
-                        <m:sub>
-                          <m:r>
-                            <a:rPr lang="en-US" b="0" i="1" smtClean="0">
-                              <a:latin typeface="Cambria Math"/>
-                            </a:rPr>
-                            <m:t>𝑖</m:t>
-                          </m:r>
-                        </m:sub>
-                      </m:sSub>
-                      <m:r>
-                        <a:rPr lang="en-US" b="0" i="1" smtClean="0">
-                          <a:latin typeface="Cambria Math"/>
-                        </a:rPr>
-                        <m:t>=</m:t>
-                      </m:r>
-                      <m:r>
-                        <a:rPr lang="en-US" b="0" i="1" smtClean="0">
-                          <a:latin typeface="Cambria Math"/>
-                        </a:rPr>
-                        <m:t>𝑍𝑓</m:t>
-                      </m:r>
-                      <m:r>
-                        <a:rPr lang="en-US" b="0" i="1" smtClean="0">
-                          <a:latin typeface="Cambria Math"/>
-                        </a:rPr>
-                        <m:t>+</m:t>
-                      </m:r>
-                      <m:d>
-                        <m:dPr>
-                          <m:ctrlPr>
-                            <a:rPr lang="en-US" b="0" i="1" smtClean="0">
-                              <a:latin typeface="Cambria Math"/>
-                            </a:rPr>
-                          </m:ctrlPr>
-                        </m:dPr>
-                        <m:e>
-                          <m:r>
-                            <a:rPr lang="en-US" b="0" i="1" smtClean="0">
-                              <a:latin typeface="Cambria Math"/>
-                            </a:rPr>
-                            <m:t>𝑖</m:t>
-                          </m:r>
-                          <m:r>
-                            <a:rPr lang="en-US" b="0" i="1" smtClean="0">
-                              <a:latin typeface="Cambria Math"/>
-                            </a:rPr>
-                            <m:t>−</m:t>
-                          </m:r>
-                          <m:r>
-                            <a:rPr lang="en-US" b="0" i="1" smtClean="0">
-                              <a:latin typeface="Cambria Math"/>
-                            </a:rPr>
-                            <m:t>𝑡h</m:t>
-                          </m:r>
-                          <m:r>
-                            <a:rPr lang="en-US" b="0" i="1" smtClean="0">
-                              <a:latin typeface="Cambria Math"/>
-                            </a:rPr>
-                            <m:t> </m:t>
-                          </m:r>
-                          <m:r>
-                            <a:rPr lang="en-US" b="0" i="1" smtClean="0">
-                              <a:latin typeface="Cambria Math"/>
-                            </a:rPr>
-                            <m:t>𝑐𝑜𝑙𝑢𝑚𝑛</m:t>
-                          </m:r>
-                          <m:r>
-                            <a:rPr lang="en-US" b="0" i="1" smtClean="0">
-                              <a:latin typeface="Cambria Math"/>
-                            </a:rPr>
-                            <m:t> </m:t>
-                          </m:r>
-                          <m:r>
-                            <a:rPr lang="en-US" b="0" i="1" smtClean="0">
-                              <a:latin typeface="Cambria Math"/>
-                            </a:rPr>
-                            <m:t>𝑜𝑓</m:t>
-                          </m:r>
-                          <m:r>
-                            <a:rPr lang="en-US" b="0" i="1" smtClean="0">
-                              <a:latin typeface="Cambria Math"/>
-                            </a:rPr>
-                            <m:t> </m:t>
-                          </m:r>
-                          <m:r>
-                            <a:rPr lang="en-US" b="0" i="1" smtClean="0">
-                              <a:latin typeface="Cambria Math"/>
-                            </a:rPr>
-                            <m:t>𝑍</m:t>
-                          </m:r>
-                        </m:e>
-                      </m:d>
-                    </m:oMath>
-                  </m:oMathPara>
+                  <m:oMath xmlns:m="http://schemas.openxmlformats.org/officeDocument/2006/math">
+                    <m:r>
+                      <a:rPr lang="en-US" b="0" i="1" smtClean="0">
+                        <a:latin typeface="Cambria Math"/>
+                      </a:rPr>
+                      <m:t>𝑍</m:t>
+                    </m:r>
+                    <m:sSup>
+                      <m:sSupPr>
+                        <m:ctrlPr>
+                          <a:rPr lang="en-US" b="0" i="1" smtClean="0">
+                            <a:latin typeface="Cambria Math"/>
+                          </a:rPr>
+                        </m:ctrlPr>
+                      </m:sSupPr>
+                      <m:e>
+                        <m:r>
+                          <a:rPr lang="en-US" b="0" i="1" smtClean="0">
+                            <a:latin typeface="Cambria Math"/>
+                          </a:rPr>
+                          <m:t>𝑓</m:t>
+                        </m:r>
+                      </m:e>
+                      <m:sup>
+                        <m:r>
+                          <a:rPr lang="en-US" b="0" i="1" smtClean="0">
+                            <a:latin typeface="Cambria Math"/>
+                          </a:rPr>
+                          <m:t>′</m:t>
+                        </m:r>
+                      </m:sup>
+                    </m:sSup>
+                    <m:r>
+                      <a:rPr lang="en-US" b="0" i="1" smtClean="0">
+                        <a:latin typeface="Cambria Math"/>
+                      </a:rPr>
+                      <m:t>=</m:t>
+                    </m:r>
+                    <m:r>
+                      <a:rPr lang="en-US" b="0" i="1" smtClean="0">
+                        <a:latin typeface="Cambria Math"/>
+                      </a:rPr>
+                      <m:t>𝑍</m:t>
+                    </m:r>
+                    <m:d>
+                      <m:dPr>
+                        <m:ctrlPr>
+                          <a:rPr lang="en-US" b="0" i="1" smtClean="0">
+                            <a:latin typeface="Cambria Math"/>
+                          </a:rPr>
+                        </m:ctrlPr>
+                      </m:dPr>
+                      <m:e>
+                        <m:r>
+                          <a:rPr lang="en-US" b="0" i="1" smtClean="0">
+                            <a:latin typeface="Cambria Math"/>
+                          </a:rPr>
+                          <m:t>𝑓</m:t>
+                        </m:r>
+                        <m:r>
+                          <a:rPr lang="en-US" b="0" i="1" smtClean="0">
+                            <a:latin typeface="Cambria Math"/>
+                          </a:rPr>
+                          <m:t>+</m:t>
+                        </m:r>
+                        <m:sSub>
+                          <m:sSubPr>
+                            <m:ctrlPr>
+                              <a:rPr lang="en-US" b="0" i="1" smtClean="0">
+                                <a:latin typeface="Cambria Math"/>
+                              </a:rPr>
+                            </m:ctrlPr>
+                          </m:sSubPr>
+                          <m:e>
+                            <m:r>
+                              <a:rPr lang="en-US" b="0" i="1" smtClean="0">
+                                <a:latin typeface="Cambria Math"/>
+                              </a:rPr>
+                              <m:t>𝑒</m:t>
+                            </m:r>
+                          </m:e>
+                          <m:sub>
+                            <m:r>
+                              <a:rPr lang="en-US" b="0" i="1" smtClean="0">
+                                <a:latin typeface="Cambria Math"/>
+                              </a:rPr>
+                              <m:t>𝑖</m:t>
+                            </m:r>
+                          </m:sub>
+                        </m:sSub>
+                      </m:e>
+                    </m:d>
+                    <m:r>
+                      <a:rPr lang="en-US" b="0" i="1" smtClean="0">
+                        <a:latin typeface="Cambria Math"/>
+                      </a:rPr>
+                      <m:t>=</m:t>
+                    </m:r>
+                    <m:r>
+                      <a:rPr lang="en-US" b="0" i="1" smtClean="0">
+                        <a:latin typeface="Cambria Math"/>
+                      </a:rPr>
+                      <m:t>𝑍𝑓</m:t>
+                    </m:r>
+                    <m:r>
+                      <a:rPr lang="en-US" b="0" i="1" smtClean="0">
+                        <a:latin typeface="Cambria Math"/>
+                      </a:rPr>
+                      <m:t>+</m:t>
+                    </m:r>
+                    <m:r>
+                      <a:rPr lang="en-US" b="0" i="1" smtClean="0">
+                        <a:latin typeface="Cambria Math"/>
+                      </a:rPr>
+                      <m:t>𝑍</m:t>
+                    </m:r>
+                    <m:sSub>
+                      <m:sSubPr>
+                        <m:ctrlPr>
+                          <a:rPr lang="en-US" b="0" i="1" smtClean="0">
+                            <a:latin typeface="Cambria Math"/>
+                          </a:rPr>
+                        </m:ctrlPr>
+                      </m:sSubPr>
+                      <m:e>
+                        <m:r>
+                          <a:rPr lang="en-US" b="0" i="1" smtClean="0">
+                            <a:latin typeface="Cambria Math"/>
+                          </a:rPr>
+                          <m:t>𝑒</m:t>
+                        </m:r>
+                      </m:e>
+                      <m:sub>
+                        <m:r>
+                          <a:rPr lang="en-US" b="0" i="1" smtClean="0">
+                            <a:latin typeface="Cambria Math"/>
+                          </a:rPr>
+                          <m:t>𝑖</m:t>
+                        </m:r>
+                      </m:sub>
+                    </m:sSub>
+                    <m:r>
+                      <a:rPr lang="en-US" b="0" i="1" smtClean="0">
+                        <a:latin typeface="Cambria Math"/>
+                      </a:rPr>
+                      <m:t>=</m:t>
+                    </m:r>
+                    <m:r>
+                      <a:rPr lang="en-US" b="0" i="1" smtClean="0">
+                        <a:latin typeface="Cambria Math"/>
+                      </a:rPr>
+                      <m:t>𝑍𝑓</m:t>
+                    </m:r>
+                    <m:r>
+                      <a:rPr lang="en-US" b="0" i="1" smtClean="0">
+                        <a:latin typeface="Cambria Math"/>
+                      </a:rPr>
+                      <m:t>+</m:t>
+                    </m:r>
+                  </m:oMath>
                 </a14:m>
+                <a:r>
+                  <a:rPr lang="en-US" b="0" i="0" dirty="0" smtClean="0">
+                    <a:latin typeface="+mj-lt"/>
+                  </a:rPr>
+                  <a:t>(i-th </a:t>
+                </a:r>
+                <a:r>
+                  <a:rPr lang="en-US" b="0" i="0" dirty="0" smtClean="0">
+                    <a:latin typeface="+mj-lt"/>
+                  </a:rPr>
+                  <a:t>column of </a:t>
+                </a:r>
+                <a14:m>
+                  <m:oMath xmlns:m="http://schemas.openxmlformats.org/officeDocument/2006/math">
+                    <m:r>
+                      <a:rPr lang="en-US" b="0" i="1" dirty="0" smtClean="0">
+                        <a:latin typeface="Cambria Math"/>
+                      </a:rPr>
+                      <m:t>𝑍</m:t>
+                    </m:r>
+                  </m:oMath>
+                </a14:m>
+                <a:r>
+                  <a:rPr lang="en-US" b="0" i="0" dirty="0" smtClean="0">
+                    <a:latin typeface="+mj-lt"/>
+                  </a:rPr>
+                  <a:t>)</a:t>
+                </a:r>
                 <a:endParaRPr lang="en-US" b="0" dirty="0" smtClean="0"/>
               </a:p>
               <a:p>
@@ -24341,7 +24266,7 @@
             </p:txBody>
           </p:sp>
         </mc:Choice>
-        <mc:Fallback xmlns="">
+        <mc:Fallback>
           <p:sp>
             <p:nvSpPr>
               <p:cNvPr id="3" name="Content Placeholder 2"/>
@@ -24360,7 +24285,7 @@
               <a:blipFill rotWithShape="1">
                 <a:blip r:embed="rId2"/>
                 <a:stretch>
-                  <a:fillRect l="-1544" t="-1576"/>
+                  <a:fillRect l="-1544" t="-1576" r="-1123"/>
                 </a:stretch>
               </a:blipFill>
             </p:spPr>
@@ -24489,33 +24414,15 @@
                                   </p:childTnLst>
                                 </p:cTn>
                               </p:par>
-                            </p:childTnLst>
-                          </p:cTn>
-                        </p:par>
-                      </p:childTnLst>
-                    </p:cTn>
-                  </p:par>
-                  <p:par>
-                    <p:cTn id="11" fill="hold">
-                      <p:stCondLst>
-                        <p:cond delay="indefinite"/>
-                      </p:stCondLst>
-                      <p:childTnLst>
-                        <p:par>
-                          <p:cTn id="12" fill="hold">
-                            <p:stCondLst>
-                              <p:cond delay="0"/>
-                            </p:stCondLst>
-                            <p:childTnLst>
                               <p:par>
-                                <p:cTn id="13" presetID="1" presetClass="entr" presetSubtype="0" fill="hold" grpId="0" nodeType="clickEffect">
+                                <p:cTn id="11" presetID="1" presetClass="entr" presetSubtype="0" fill="hold" grpId="0" nodeType="withEffect">
                                   <p:stCondLst>
                                     <p:cond delay="0"/>
                                   </p:stCondLst>
                                   <p:childTnLst>
                                     <p:set>
                                       <p:cBhvr>
-                                        <p:cTn id="14" dur="1" fill="hold">
+                                        <p:cTn id="12" dur="1" fill="hold">
                                           <p:stCondLst>
                                             <p:cond delay="0"/>
                                           </p:stCondLst>
@@ -24538,26 +24445,70 @@
                                   </p:childTnLst>
                                 </p:cTn>
                               </p:par>
-                            </p:childTnLst>
-                          </p:cTn>
-                        </p:par>
-                      </p:childTnLst>
-                    </p:cTn>
-                  </p:par>
-                  <p:par>
-                    <p:cTn id="15" fill="hold">
-                      <p:stCondLst>
-                        <p:cond delay="indefinite"/>
-                      </p:stCondLst>
-                      <p:childTnLst>
-                        <p:par>
-                          <p:cTn id="16" fill="hold">
-                            <p:stCondLst>
-                              <p:cond delay="0"/>
-                            </p:stCondLst>
-                            <p:childTnLst>
                               <p:par>
-                                <p:cTn id="17" presetID="1" presetClass="entr" presetSubtype="0" fill="hold" grpId="0" nodeType="clickEffect">
+                                <p:cTn id="13" presetID="1" presetClass="entr" presetSubtype="0" fill="hold" grpId="0" nodeType="withEffect">
+                                  <p:stCondLst>
+                                    <p:cond delay="0"/>
+                                  </p:stCondLst>
+                                  <p:childTnLst>
+                                    <p:set>
+                                      <p:cBhvr>
+                                        <p:cTn id="14" dur="1" fill="hold">
+                                          <p:stCondLst>
+                                            <p:cond delay="0"/>
+                                          </p:stCondLst>
+                                        </p:cTn>
+                                        <p:tgtEl>
+                                          <p:spTgt spid="3">
+                                            <p:txEl>
+                                              <p:pRg st="3" end="3"/>
+                                            </p:txEl>
+                                          </p:spTgt>
+                                        </p:tgtEl>
+                                        <p:attrNameLst>
+                                          <p:attrName>style.visibility</p:attrName>
+                                        </p:attrNameLst>
+                                      </p:cBhvr>
+                                      <p:to>
+                                        <p:strVal val="visible"/>
+                                      </p:to>
+                                    </p:set>
+                                  </p:childTnLst>
+                                </p:cTn>
+                              </p:par>
+                              <p:par>
+                                <p:cTn id="15" presetID="1" presetClass="entr" presetSubtype="0" fill="hold" grpId="0" nodeType="withEffect">
+                                  <p:stCondLst>
+                                    <p:cond delay="0"/>
+                                  </p:stCondLst>
+                                  <p:childTnLst>
+                                    <p:set>
+                                      <p:cBhvr>
+                                        <p:cTn id="16" dur="1" fill="hold">
+                                          <p:stCondLst>
+                                            <p:cond delay="0"/>
+                                          </p:stCondLst>
+                                        </p:cTn>
+                                        <p:tgtEl>
+                                          <p:spTgt spid="3">
+                                            <p:txEl>
+                                              <p:pRg st="4" end="4"/>
+                                            </p:txEl>
+                                          </p:spTgt>
+                                        </p:tgtEl>
+                                        <p:attrNameLst>
+                                          <p:attrName>style.visibility</p:attrName>
+                                        </p:attrNameLst>
+                                      </p:cBhvr>
+                                      <p:to>
+                                        <p:strVal val="visible"/>
+                                      </p:to>
+                                    </p:set>
+                                  </p:childTnLst>
+                                </p:cTn>
+                              </p:par>
+                              <p:par>
+                                <p:cTn id="17" presetID="1" presetClass="entr" presetSubtype="0" fill="hold" grpId="0" nodeType="withEffect">
                                   <p:stCondLst>
                                     <p:cond delay="0"/>
                                   </p:stCondLst>
@@ -24572,7 +24523,7 @@
                                         <p:tgtEl>
                                           <p:spTgt spid="3">
                                             <p:txEl>
-                                              <p:pRg st="3" end="3"/>
+                                              <p:pRg st="5" end="5"/>
                                             </p:txEl>
                                           </p:spTgt>
                                         </p:tgtEl>
@@ -24614,104 +24565,6 @@
                                     <p:set>
                                       <p:cBhvr>
                                         <p:cTn id="22" dur="1" fill="hold">
-                                          <p:stCondLst>
-                                            <p:cond delay="0"/>
-                                          </p:stCondLst>
-                                        </p:cTn>
-                                        <p:tgtEl>
-                                          <p:spTgt spid="3">
-                                            <p:txEl>
-                                              <p:pRg st="4" end="4"/>
-                                            </p:txEl>
-                                          </p:spTgt>
-                                        </p:tgtEl>
-                                        <p:attrNameLst>
-                                          <p:attrName>style.visibility</p:attrName>
-                                        </p:attrNameLst>
-                                      </p:cBhvr>
-                                      <p:to>
-                                        <p:strVal val="visible"/>
-                                      </p:to>
-                                    </p:set>
-                                  </p:childTnLst>
-                                </p:cTn>
-                              </p:par>
-                            </p:childTnLst>
-                          </p:cTn>
-                        </p:par>
-                      </p:childTnLst>
-                    </p:cTn>
-                  </p:par>
-                  <p:par>
-                    <p:cTn id="23" fill="hold">
-                      <p:stCondLst>
-                        <p:cond delay="indefinite"/>
-                      </p:stCondLst>
-                      <p:childTnLst>
-                        <p:par>
-                          <p:cTn id="24" fill="hold">
-                            <p:stCondLst>
-                              <p:cond delay="0"/>
-                            </p:stCondLst>
-                            <p:childTnLst>
-                              <p:par>
-                                <p:cTn id="25" presetID="1" presetClass="entr" presetSubtype="0" fill="hold" grpId="0" nodeType="clickEffect">
-                                  <p:stCondLst>
-                                    <p:cond delay="0"/>
-                                  </p:stCondLst>
-                                  <p:childTnLst>
-                                    <p:set>
-                                      <p:cBhvr>
-                                        <p:cTn id="26" dur="1" fill="hold">
-                                          <p:stCondLst>
-                                            <p:cond delay="0"/>
-                                          </p:stCondLst>
-                                        </p:cTn>
-                                        <p:tgtEl>
-                                          <p:spTgt spid="3">
-                                            <p:txEl>
-                                              <p:pRg st="5" end="5"/>
-                                            </p:txEl>
-                                          </p:spTgt>
-                                        </p:tgtEl>
-                                        <p:attrNameLst>
-                                          <p:attrName>style.visibility</p:attrName>
-                                        </p:attrNameLst>
-                                      </p:cBhvr>
-                                      <p:to>
-                                        <p:strVal val="visible"/>
-                                      </p:to>
-                                    </p:set>
-                                  </p:childTnLst>
-                                </p:cTn>
-                              </p:par>
-                            </p:childTnLst>
-                          </p:cTn>
-                        </p:par>
-                      </p:childTnLst>
-                    </p:cTn>
-                  </p:par>
-                  <p:par>
-                    <p:cTn id="27" fill="hold">
-                      <p:stCondLst>
-                        <p:cond delay="indefinite"/>
-                      </p:stCondLst>
-                      <p:childTnLst>
-                        <p:par>
-                          <p:cTn id="28" fill="hold">
-                            <p:stCondLst>
-                              <p:cond delay="0"/>
-                            </p:stCondLst>
-                            <p:childTnLst>
-                              <p:par>
-                                <p:cTn id="29" presetID="1" presetClass="entr" presetSubtype="0" fill="hold" grpId="0" nodeType="clickEffect">
-                                  <p:stCondLst>
-                                    <p:cond delay="0"/>
-                                  </p:stCondLst>
-                                  <p:childTnLst>
-                                    <p:set>
-                                      <p:cBhvr>
-                                        <p:cTn id="30" dur="1" fill="hold">
                                           <p:stCondLst>
                                             <p:cond delay="0"/>
                                           </p:stCondLst>
@@ -24885,8 +24738,8 @@
           </p:sp>
         </mc:Fallback>
       </mc:AlternateContent>
-      <mc:AlternateContent xmlns:mc="http://schemas.openxmlformats.org/markup-compatibility/2006" xmlns:a14="http://schemas.microsoft.com/office/drawing/2010/main">
-        <mc:Choice Requires="a14">
+      <mc:AlternateContent xmlns:mc="http://schemas.openxmlformats.org/markup-compatibility/2006">
+        <mc:Choice xmlns:a14="http://schemas.microsoft.com/office/drawing/2010/main" Requires="a14">
           <p:sp>
             <p:nvSpPr>
               <p:cNvPr id="3" name="Content Placeholder 2"/>
@@ -25414,11 +25267,11 @@
                       <m:t>≤</m:t>
                     </m:r>
                     <m:r>
-                      <a:rPr lang="en-US" i="1" smtClean="0">
+                      <a:rPr lang="en-US" b="0" i="1" smtClean="0">
                         <a:latin typeface="Cambria Math"/>
                         <a:ea typeface="Cambria Math"/>
                       </a:rPr>
-                      <m:t>4</m:t>
+                      <m:t>2</m:t>
                     </m:r>
                     <m:sSubSup>
                       <m:sSubSupPr>
@@ -25471,7 +25324,7 @@
             </p:txBody>
           </p:sp>
         </mc:Choice>
-        <mc:Fallback xmlns="">
+        <mc:Fallback>
           <p:sp>
             <p:nvSpPr>
               <p:cNvPr id="3" name="Content Placeholder 2"/>
@@ -30571,11 +30424,7 @@
           <a:p>
             <a:r>
               <a:rPr lang="en-US" dirty="0" smtClean="0"/>
-              <a:t>Approximate </a:t>
-            </a:r>
-            <a:r>
-              <a:rPr lang="en-US" dirty="0" smtClean="0"/>
-              <a:t>Median</a:t>
+              <a:t>Approximate Median</a:t>
             </a:r>
           </a:p>
           <a:p>
@@ -36528,74 +36377,6 @@
 </p:sld>
 </file>
 
-<file path=ppt/slides/slide34.xml><?xml version="1.0" encoding="utf-8"?>
-<p:sld xmlns:a="http://schemas.openxmlformats.org/drawingml/2006/main" xmlns:r="http://schemas.openxmlformats.org/officeDocument/2006/relationships" xmlns:p="http://schemas.openxmlformats.org/presentationml/2006/main">
-  <p:cSld>
-    <p:spTree>
-      <p:nvGrpSpPr>
-        <p:cNvPr id="1" name=""/>
-        <p:cNvGrpSpPr/>
-        <p:nvPr/>
-      </p:nvGrpSpPr>
-      <p:grpSpPr>
-        <a:xfrm>
-          <a:off x="0" y="0"/>
-          <a:ext cx="0" cy="0"/>
-          <a:chOff x="0" y="0"/>
-          <a:chExt cx="0" cy="0"/>
-        </a:xfrm>
-      </p:grpSpPr>
-      <p:sp>
-        <p:nvSpPr>
-          <p:cNvPr id="2" name="Title 1"/>
-          <p:cNvSpPr>
-            <a:spLocks noGrp="1"/>
-          </p:cNvSpPr>
-          <p:nvPr>
-            <p:ph type="ctrTitle"/>
-          </p:nvPr>
-        </p:nvSpPr>
-        <p:spPr/>
-        <p:txBody>
-          <a:bodyPr/>
-          <a:lstStyle/>
-          <a:p>
-            <a:endParaRPr lang="en-US"/>
-          </a:p>
-        </p:txBody>
-      </p:sp>
-      <p:sp>
-        <p:nvSpPr>
-          <p:cNvPr id="3" name="Subtitle 2"/>
-          <p:cNvSpPr>
-            <a:spLocks noGrp="1"/>
-          </p:cNvSpPr>
-          <p:nvPr>
-            <p:ph type="subTitle" idx="1"/>
-          </p:nvPr>
-        </p:nvSpPr>
-        <p:spPr/>
-        <p:txBody>
-          <a:bodyPr/>
-          <a:lstStyle/>
-          <a:p>
-            <a:endParaRPr lang="en-US"/>
-          </a:p>
-        </p:txBody>
-      </p:sp>
-    </p:spTree>
-    <p:extLst>
-      <p:ext uri="{BB962C8B-B14F-4D97-AF65-F5344CB8AC3E}">
-        <p14:creationId xmlns:p14="http://schemas.microsoft.com/office/powerpoint/2010/main" val="3907401148"/>
-      </p:ext>
-    </p:extLst>
-  </p:cSld>
-  <p:clrMapOvr>
-    <a:masterClrMapping/>
-  </p:clrMapOvr>
-</p:sld>
-</file>
-
 <file path=ppt/slides/slide4.xml><?xml version="1.0" encoding="utf-8"?>
 <p:sld xmlns:a="http://schemas.openxmlformats.org/drawingml/2006/main" xmlns:r="http://schemas.openxmlformats.org/officeDocument/2006/relationships" xmlns:p="http://schemas.openxmlformats.org/presentationml/2006/main">
   <p:cSld>
@@ -36634,15 +36415,7 @@
                   <a:srgbClr val="0070C0"/>
                 </a:solidFill>
               </a:rPr>
-              <a:t>Morris’s </a:t>
-            </a:r>
-            <a:r>
-              <a:rPr lang="en-US" dirty="0" smtClean="0">
-                <a:solidFill>
-                  <a:srgbClr val="0070C0"/>
-                </a:solidFill>
-              </a:rPr>
-              <a:t>Algorithm</a:t>
+              <a:t>Morris’s Algorithm</a:t>
             </a:r>
             <a:endParaRPr lang="en-US" dirty="0">
               <a:solidFill>
@@ -36652,8 +36425,8 @@
           </a:p>
         </p:txBody>
       </p:sp>
-      <mc:AlternateContent xmlns:mc="http://schemas.openxmlformats.org/markup-compatibility/2006">
-        <mc:Choice xmlns:a14="http://schemas.microsoft.com/office/drawing/2010/main" Requires="a14">
+      <mc:AlternateContent xmlns:mc="http://schemas.openxmlformats.org/markup-compatibility/2006" xmlns:a14="http://schemas.microsoft.com/office/drawing/2010/main">
+        <mc:Choice Requires="a14">
           <p:sp>
             <p:nvSpPr>
               <p:cNvPr id="3" name="Content Placeholder 2"/>
@@ -36695,11 +36468,7 @@
                 </a:r>
                 <a:r>
                   <a:rPr lang="en-US" dirty="0" smtClean="0"/>
-                  <a:t>items</a:t>
-                </a:r>
-                <a:r>
-                  <a:rPr lang="en-US" dirty="0" smtClean="0"/>
-                  <a:t> </a:t>
+                  <a:t>items </a:t>
                 </a:r>
                 <a:r>
                   <a:rPr lang="en-US" dirty="0"/>
@@ -36858,7 +36627,7 @@
             </p:txBody>
           </p:sp>
         </mc:Choice>
-        <mc:Fallback>
+        <mc:Fallback xmlns="">
           <p:sp>
             <p:nvSpPr>
               <p:cNvPr id="3" name="Content Placeholder 2"/>
@@ -39507,8 +39276,8 @@
           </a:p>
         </p:txBody>
       </p:sp>
-      <mc:AlternateContent xmlns:mc="http://schemas.openxmlformats.org/markup-compatibility/2006">
-        <mc:Choice xmlns:a14="http://schemas.microsoft.com/office/drawing/2010/main" Requires="a14">
+      <mc:AlternateContent xmlns:mc="http://schemas.openxmlformats.org/markup-compatibility/2006" xmlns:a14="http://schemas.microsoft.com/office/drawing/2010/main">
+        <mc:Choice Requires="a14">
           <p:sp>
             <p:nvSpPr>
               <p:cNvPr id="3" name="Content Placeholder 2"/>
@@ -39527,7 +39296,7 @@
             </p:spPr>
             <p:txBody>
               <a:bodyPr>
-                <a:normAutofit fontScale="77500" lnSpcReduction="20000"/>
+                <a:normAutofit fontScale="70000" lnSpcReduction="20000"/>
               </a:bodyPr>
               <a:lstStyle/>
               <a:p>
@@ -40993,7 +40762,7 @@
                           <m:nor/>
                         </m:rPr>
                         <a:rPr lang="en-US" dirty="0"/>
-                        <m:t> - 1)/2  + 1 + 3</m:t>
+                        <m:t> − 1)/2  + 1 + 3</m:t>
                       </m:r>
                       <m:r>
                         <m:rPr>
@@ -41034,7 +40803,7 @@
             </p:txBody>
           </p:sp>
         </mc:Choice>
-        <mc:Fallback>
+        <mc:Fallback xmlns="">
           <p:sp>
             <p:nvSpPr>
               <p:cNvPr id="3" name="Content Placeholder 2"/>
